--- a/docs/slides/images_helpers/stats_reporting_format.pptx
+++ b/docs/slides/images_helpers/stats_reporting_format.pptx
@@ -104,6 +104,11 @@
       </a:defRPr>
     </a:lvl9pPr>
   </p:defaultTextStyle>
+  <p:extLst>
+    <p:ext uri="{EFAFB233-063F-42B5-8137-9DF3F51BA10A}">
+      <p15:sldGuideLst xmlns:p15="http://schemas.microsoft.com/office/powerpoint/2012/main"/>
+    </p:ext>
+  </p:extLst>
 </p:presentation>
 </file>
 
@@ -254,7 +259,7 @@
           <a:p>
             <a:fld id="{3A568ECA-0F19-475D-8A7D-8DD2C3FEE73B}" type="datetimeFigureOut">
               <a:rPr lang="en-US" smtClean="0"/>
-              <a:t>2/5/2019</a:t>
+              <a:t>12/15/20</a:t>
             </a:fld>
             <a:endParaRPr lang="en-US"/>
           </a:p>
@@ -452,7 +457,7 @@
           <a:p>
             <a:fld id="{3A568ECA-0F19-475D-8A7D-8DD2C3FEE73B}" type="datetimeFigureOut">
               <a:rPr lang="en-US" smtClean="0"/>
-              <a:t>2/5/2019</a:t>
+              <a:t>12/15/20</a:t>
             </a:fld>
             <a:endParaRPr lang="en-US"/>
           </a:p>
@@ -660,7 +665,7 @@
           <a:p>
             <a:fld id="{3A568ECA-0F19-475D-8A7D-8DD2C3FEE73B}" type="datetimeFigureOut">
               <a:rPr lang="en-US" smtClean="0"/>
-              <a:t>2/5/2019</a:t>
+              <a:t>12/15/20</a:t>
             </a:fld>
             <a:endParaRPr lang="en-US"/>
           </a:p>
@@ -858,7 +863,7 @@
           <a:p>
             <a:fld id="{3A568ECA-0F19-475D-8A7D-8DD2C3FEE73B}" type="datetimeFigureOut">
               <a:rPr lang="en-US" smtClean="0"/>
-              <a:t>2/5/2019</a:t>
+              <a:t>12/15/20</a:t>
             </a:fld>
             <a:endParaRPr lang="en-US"/>
           </a:p>
@@ -1133,7 +1138,7 @@
           <a:p>
             <a:fld id="{3A568ECA-0F19-475D-8A7D-8DD2C3FEE73B}" type="datetimeFigureOut">
               <a:rPr lang="en-US" smtClean="0"/>
-              <a:t>2/5/2019</a:t>
+              <a:t>12/15/20</a:t>
             </a:fld>
             <a:endParaRPr lang="en-US"/>
           </a:p>
@@ -1398,7 +1403,7 @@
           <a:p>
             <a:fld id="{3A568ECA-0F19-475D-8A7D-8DD2C3FEE73B}" type="datetimeFigureOut">
               <a:rPr lang="en-US" smtClean="0"/>
-              <a:t>2/5/2019</a:t>
+              <a:t>12/15/20</a:t>
             </a:fld>
             <a:endParaRPr lang="en-US"/>
           </a:p>
@@ -1810,7 +1815,7 @@
           <a:p>
             <a:fld id="{3A568ECA-0F19-475D-8A7D-8DD2C3FEE73B}" type="datetimeFigureOut">
               <a:rPr lang="en-US" smtClean="0"/>
-              <a:t>2/5/2019</a:t>
+              <a:t>12/15/20</a:t>
             </a:fld>
             <a:endParaRPr lang="en-US"/>
           </a:p>
@@ -1951,7 +1956,7 @@
           <a:p>
             <a:fld id="{3A568ECA-0F19-475D-8A7D-8DD2C3FEE73B}" type="datetimeFigureOut">
               <a:rPr lang="en-US" smtClean="0"/>
-              <a:t>2/5/2019</a:t>
+              <a:t>12/15/20</a:t>
             </a:fld>
             <a:endParaRPr lang="en-US"/>
           </a:p>
@@ -2064,7 +2069,7 @@
           <a:p>
             <a:fld id="{3A568ECA-0F19-475D-8A7D-8DD2C3FEE73B}" type="datetimeFigureOut">
               <a:rPr lang="en-US" smtClean="0"/>
-              <a:t>2/5/2019</a:t>
+              <a:t>12/15/20</a:t>
             </a:fld>
             <a:endParaRPr lang="en-US"/>
           </a:p>
@@ -2375,7 +2380,7 @@
           <a:p>
             <a:fld id="{3A568ECA-0F19-475D-8A7D-8DD2C3FEE73B}" type="datetimeFigureOut">
               <a:rPr lang="en-US" smtClean="0"/>
-              <a:t>2/5/2019</a:t>
+              <a:t>12/15/20</a:t>
             </a:fld>
             <a:endParaRPr lang="en-US"/>
           </a:p>
@@ -2663,7 +2668,7 @@
           <a:p>
             <a:fld id="{3A568ECA-0F19-475D-8A7D-8DD2C3FEE73B}" type="datetimeFigureOut">
               <a:rPr lang="en-US" smtClean="0"/>
-              <a:t>2/5/2019</a:t>
+              <a:t>12/15/20</a:t>
             </a:fld>
             <a:endParaRPr lang="en-US"/>
           </a:p>
@@ -2904,7 +2909,7 @@
           <a:p>
             <a:fld id="{3A568ECA-0F19-475D-8A7D-8DD2C3FEE73B}" type="datetimeFigureOut">
               <a:rPr lang="en-US" smtClean="0"/>
-              <a:t>2/5/2019</a:t>
+              <a:t>12/15/20</a:t>
             </a:fld>
             <a:endParaRPr lang="en-US"/>
           </a:p>
@@ -3321,208 +3326,291 @@
           <a:chExt cx="0" cy="0"/>
         </a:xfrm>
       </p:grpSpPr>
-      <p:sp>
-        <p:nvSpPr>
-          <p:cNvPr id="2" name="Title 1">
-            <a:extLst>
-              <a:ext uri="{FF2B5EF4-FFF2-40B4-BE49-F238E27FC236}">
-                <a16:creationId xmlns:a16="http://schemas.microsoft.com/office/drawing/2014/main" id="{1B4BA7EE-DD15-4992-A395-A55EAF628C95}"/>
-              </a:ext>
-            </a:extLst>
-          </p:cNvPr>
-          <p:cNvSpPr>
-            <a:spLocks noGrp="1"/>
-          </p:cNvSpPr>
-          <p:nvPr>
-            <p:ph type="ctrTitle"/>
-          </p:nvPr>
-        </p:nvSpPr>
-        <p:spPr>
-          <a:xfrm>
-            <a:off x="679142" y="2303093"/>
-            <a:ext cx="10833716" cy="2387600"/>
-          </a:xfrm>
-        </p:spPr>
-        <p:txBody>
-          <a:bodyPr anchor="ctr">
-            <a:normAutofit/>
-          </a:bodyPr>
-          <a:lstStyle/>
-          <a:p>
-            <a:r>
-              <a:rPr lang="en-US" sz="3000" i="1" dirty="0">
-                <a:latin typeface="Century Schoolbook" panose="02040604050505020304" pitchFamily="18" charset="0"/>
-              </a:rPr>
-              <a:t>t</a:t>
-            </a:r>
-            <a:r>
-              <a:rPr lang="en-US" sz="3000" dirty="0">
-                <a:latin typeface="Century Schoolbook" panose="02040604050505020304" pitchFamily="18" charset="0"/>
-              </a:rPr>
-              <a:t>(</a:t>
-            </a:r>
-            <a:r>
-              <a:rPr lang="en-US" sz="3000" dirty="0">
-                <a:solidFill>
-                  <a:srgbClr val="00B0F0"/>
-                </a:solidFill>
-                <a:latin typeface="Century Schoolbook" panose="02040604050505020304" pitchFamily="18" charset="0"/>
-              </a:rPr>
-              <a:t>14.79</a:t>
-            </a:r>
-            <a:r>
-              <a:rPr lang="en-US" sz="3000" dirty="0">
-                <a:latin typeface="Century Schoolbook" panose="02040604050505020304" pitchFamily="18" charset="0"/>
-              </a:rPr>
-              <a:t>) = </a:t>
-            </a:r>
-            <a:r>
-              <a:rPr lang="en-US" sz="3000" dirty="0">
-                <a:solidFill>
-                  <a:srgbClr val="FF0000"/>
-                </a:solidFill>
-                <a:latin typeface="Century Schoolbook" panose="02040604050505020304" pitchFamily="18" charset="0"/>
-              </a:rPr>
-              <a:t>3.36</a:t>
-            </a:r>
-            <a:r>
-              <a:rPr lang="en-US" sz="3000" dirty="0">
-                <a:latin typeface="Century Schoolbook" panose="02040604050505020304" pitchFamily="18" charset="0"/>
-              </a:rPr>
-              <a:t>, </a:t>
-            </a:r>
-            <a:r>
-              <a:rPr lang="en-US" sz="3000" i="1" dirty="0">
-                <a:latin typeface="Century Schoolbook" panose="02040604050505020304" pitchFamily="18" charset="0"/>
-              </a:rPr>
-              <a:t>p</a:t>
-            </a:r>
-            <a:r>
-              <a:rPr lang="en-US" sz="3000" dirty="0">
-                <a:latin typeface="Century Schoolbook" panose="02040604050505020304" pitchFamily="18" charset="0"/>
-              </a:rPr>
-              <a:t> = </a:t>
-            </a:r>
-            <a:r>
-              <a:rPr lang="en-US" sz="3000" dirty="0">
-                <a:solidFill>
-                  <a:srgbClr val="00B050"/>
-                </a:solidFill>
-                <a:latin typeface="Century Schoolbook" panose="02040604050505020304" pitchFamily="18" charset="0"/>
-              </a:rPr>
-              <a:t>0.004</a:t>
-            </a:r>
-            <a:r>
-              <a:rPr lang="en-US" sz="3000" dirty="0">
-                <a:latin typeface="Century Schoolbook" panose="02040604050505020304" pitchFamily="18" charset="0"/>
-              </a:rPr>
-              <a:t>, </a:t>
-            </a:r>
-            <a:r>
-              <a:rPr lang="el-GR" sz="3000" dirty="0">
-                <a:latin typeface="Century Schoolbook" panose="02040604050505020304" pitchFamily="18" charset="0"/>
-              </a:rPr>
-              <a:t>ξ</a:t>
-            </a:r>
-            <a:r>
-              <a:rPr lang="en-US" sz="3000" i="1" dirty="0">
-                <a:latin typeface="Century Schoolbook" panose="02040604050505020304" pitchFamily="18" charset="0"/>
-              </a:rPr>
-              <a:t> </a:t>
-            </a:r>
-            <a:r>
-              <a:rPr lang="en-US" sz="3000" dirty="0">
-                <a:latin typeface="Century Schoolbook" panose="02040604050505020304" pitchFamily="18" charset="0"/>
-              </a:rPr>
-              <a:t>= </a:t>
-            </a:r>
-            <a:r>
-              <a:rPr lang="en-US" sz="3000" dirty="0">
-                <a:solidFill>
-                  <a:schemeClr val="accent2"/>
-                </a:solidFill>
-                <a:latin typeface="Century Schoolbook" panose="02040604050505020304" pitchFamily="18" charset="0"/>
-              </a:rPr>
-              <a:t>0.77</a:t>
-            </a:r>
-            <a:r>
-              <a:rPr lang="en-US" sz="3000" dirty="0">
-                <a:latin typeface="Century Schoolbook" panose="02040604050505020304" pitchFamily="18" charset="0"/>
-              </a:rPr>
-              <a:t>, CI</a:t>
-            </a:r>
-            <a:r>
-              <a:rPr lang="en-US" sz="3000" baseline="-25000" dirty="0">
-                <a:latin typeface="Century Schoolbook" panose="02040604050505020304" pitchFamily="18" charset="0"/>
-              </a:rPr>
-              <a:t>95%</a:t>
-            </a:r>
-            <a:r>
-              <a:rPr lang="en-US" sz="3000" dirty="0">
-                <a:latin typeface="Century Schoolbook" panose="02040604050505020304" pitchFamily="18" charset="0"/>
-              </a:rPr>
-              <a:t>[</a:t>
-            </a:r>
-            <a:r>
-              <a:rPr lang="en-US" sz="3000" dirty="0">
-                <a:solidFill>
-                  <a:schemeClr val="accent2"/>
-                </a:solidFill>
-                <a:latin typeface="Century Schoolbook" panose="02040604050505020304" pitchFamily="18" charset="0"/>
-              </a:rPr>
-              <a:t>0.47</a:t>
-            </a:r>
-            <a:r>
-              <a:rPr lang="en-US" sz="3000" dirty="0">
-                <a:latin typeface="Century Schoolbook" panose="02040604050505020304" pitchFamily="18" charset="0"/>
-              </a:rPr>
-              <a:t>, </a:t>
-            </a:r>
-            <a:r>
-              <a:rPr lang="en-US" sz="3000" dirty="0">
-                <a:solidFill>
-                  <a:schemeClr val="accent2"/>
-                </a:solidFill>
-                <a:latin typeface="Century Schoolbook" panose="02040604050505020304" pitchFamily="18" charset="0"/>
-              </a:rPr>
-              <a:t>0.90</a:t>
-            </a:r>
-            <a:r>
-              <a:rPr lang="en-US" sz="3000" dirty="0">
-                <a:latin typeface="Century Schoolbook" panose="02040604050505020304" pitchFamily="18" charset="0"/>
-              </a:rPr>
-              <a:t>], </a:t>
-            </a:r>
-            <a:r>
-              <a:rPr lang="en-US" sz="3000" i="1" dirty="0">
-                <a:latin typeface="Century Schoolbook" panose="02040604050505020304" pitchFamily="18" charset="0"/>
-              </a:rPr>
-              <a:t>n</a:t>
-            </a:r>
-            <a:r>
-              <a:rPr lang="en-US" sz="3000" dirty="0">
-                <a:latin typeface="Century Schoolbook" panose="02040604050505020304" pitchFamily="18" charset="0"/>
-              </a:rPr>
-              <a:t> = </a:t>
-            </a:r>
-            <a:r>
-              <a:rPr lang="en-US" sz="3000" dirty="0">
-                <a:solidFill>
-                  <a:schemeClr val="accent1"/>
-                </a:solidFill>
-                <a:latin typeface="Century Schoolbook" panose="02040604050505020304" pitchFamily="18" charset="0"/>
-              </a:rPr>
-              <a:t>32</a:t>
-            </a:r>
-            <a:endParaRPr lang="en-US" sz="3000" baseline="-25000" dirty="0">
-              <a:solidFill>
-                <a:schemeClr val="accent1"/>
-              </a:solidFill>
-              <a:latin typeface="Century Schoolbook" panose="02040604050505020304" pitchFamily="18" charset="0"/>
-            </a:endParaRPr>
-          </a:p>
-        </p:txBody>
-      </p:sp>
+      <mc:AlternateContent xmlns:mc="http://schemas.openxmlformats.org/markup-compatibility/2006">
+        <mc:Choice xmlns:a14="http://schemas.microsoft.com/office/drawing/2010/main" Requires="a14">
+          <p:sp>
+            <p:nvSpPr>
+              <p:cNvPr id="2" name="Title 1">
+                <a:extLst>
+                  <a:ext uri="{FF2B5EF4-FFF2-40B4-BE49-F238E27FC236}">
+                    <a16:creationId xmlns:a16="http://schemas.microsoft.com/office/drawing/2014/main" id="{1B4BA7EE-DD15-4992-A395-A55EAF628C95}"/>
+                  </a:ext>
+                </a:extLst>
+              </p:cNvPr>
+              <p:cNvSpPr>
+                <a:spLocks noGrp="1"/>
+              </p:cNvSpPr>
+              <p:nvPr>
+                <p:ph type="ctrTitle"/>
+              </p:nvPr>
+            </p:nvSpPr>
+            <p:spPr>
+              <a:xfrm>
+                <a:off x="189285" y="2303093"/>
+                <a:ext cx="11806772" cy="2387600"/>
+              </a:xfrm>
+            </p:spPr>
+            <p:txBody>
+              <a:bodyPr anchor="ctr">
+                <a:normAutofit/>
+              </a:bodyPr>
+              <a:lstStyle/>
+              <a:p>
+                <a:r>
+                  <a:rPr lang="en-US" sz="3000" i="1" dirty="0" err="1">
+                    <a:latin typeface="Century Schoolbook" panose="02040604050505020304" pitchFamily="18" charset="0"/>
+                  </a:rPr>
+                  <a:t>t</a:t>
+                </a:r>
+                <a:r>
+                  <a:rPr lang="en-US" sz="2000" baseline="-25000" dirty="0" err="1">
+                    <a:solidFill>
+                      <a:schemeClr val="accent4">
+                        <a:lumMod val="75000"/>
+                      </a:schemeClr>
+                    </a:solidFill>
+                    <a:latin typeface="Century Schoolbook" panose="02040604050505020304" pitchFamily="18" charset="0"/>
+                  </a:rPr>
+                  <a:t>Yuen</a:t>
+                </a:r>
+                <a:r>
+                  <a:rPr lang="en-US" sz="3000" dirty="0">
+                    <a:latin typeface="Century Schoolbook" panose="02040604050505020304" pitchFamily="18" charset="0"/>
+                  </a:rPr>
+                  <a:t>(</a:t>
+                </a:r>
+                <a:r>
+                  <a:rPr lang="en-US" sz="3000" dirty="0">
+                    <a:solidFill>
+                      <a:srgbClr val="00B0F0"/>
+                    </a:solidFill>
+                    <a:latin typeface="Century Schoolbook" panose="02040604050505020304" pitchFamily="18" charset="0"/>
+                  </a:rPr>
+                  <a:t>14.79</a:t>
+                </a:r>
+                <a:r>
+                  <a:rPr lang="en-US" sz="3000" dirty="0">
+                    <a:latin typeface="Century Schoolbook" panose="02040604050505020304" pitchFamily="18" charset="0"/>
+                  </a:rPr>
+                  <a:t>) = </a:t>
+                </a:r>
+                <a:r>
+                  <a:rPr lang="en-US" sz="3000" dirty="0">
+                    <a:solidFill>
+                      <a:srgbClr val="FF0000"/>
+                    </a:solidFill>
+                    <a:latin typeface="Century Schoolbook" panose="02040604050505020304" pitchFamily="18" charset="0"/>
+                  </a:rPr>
+                  <a:t>3.36</a:t>
+                </a:r>
+                <a:r>
+                  <a:rPr lang="en-US" sz="3000" dirty="0">
+                    <a:latin typeface="Century Schoolbook" panose="02040604050505020304" pitchFamily="18" charset="0"/>
+                  </a:rPr>
+                  <a:t>, </a:t>
+                </a:r>
+                <a:r>
+                  <a:rPr lang="en-US" sz="3000" i="1" dirty="0">
+                    <a:latin typeface="Century Schoolbook" panose="02040604050505020304" pitchFamily="18" charset="0"/>
+                  </a:rPr>
+                  <a:t>p</a:t>
+                </a:r>
+                <a:r>
+                  <a:rPr lang="en-US" sz="3000" dirty="0">
+                    <a:latin typeface="Century Schoolbook" panose="02040604050505020304" pitchFamily="18" charset="0"/>
+                  </a:rPr>
+                  <a:t> = </a:t>
+                </a:r>
+                <a:r>
+                  <a:rPr lang="en-US" sz="3000" dirty="0">
+                    <a:solidFill>
+                      <a:srgbClr val="00B050"/>
+                    </a:solidFill>
+                    <a:latin typeface="Century Schoolbook" panose="02040604050505020304" pitchFamily="18" charset="0"/>
+                  </a:rPr>
+                  <a:t>0.004</a:t>
+                </a:r>
+                <a:r>
+                  <a:rPr lang="en-US" sz="3000" dirty="0">
+                    <a:latin typeface="Century Schoolbook" panose="02040604050505020304" pitchFamily="18" charset="0"/>
+                  </a:rPr>
+                  <a:t>, </a:t>
+                </a:r>
+                <a14:m>
+                  <m:oMath xmlns:m="http://schemas.openxmlformats.org/officeDocument/2006/math">
+                    <m:acc>
+                      <m:accPr>
+                        <m:chr m:val="̂"/>
+                        <m:ctrlPr>
+                          <a:rPr lang="el-GR" sz="3000" i="1" dirty="0" smtClean="0">
+                            <a:latin typeface="Cambria Math" panose="02040503050406030204" pitchFamily="18" charset="0"/>
+                          </a:rPr>
+                        </m:ctrlPr>
+                      </m:accPr>
+                      <m:e>
+                        <m:r>
+                          <m:rPr>
+                            <m:sty m:val="p"/>
+                          </m:rPr>
+                          <a:rPr lang="el-GR" sz="3000" i="0" dirty="0">
+                            <a:latin typeface="Cambria Math" panose="02040503050406030204" pitchFamily="18" charset="0"/>
+                          </a:rPr>
+                          <m:t>ξ</m:t>
+                        </m:r>
+                      </m:e>
+                    </m:acc>
+                  </m:oMath>
+                </a14:m>
+                <a:r>
+                  <a:rPr lang="en-US" sz="3000" i="1" dirty="0">
+                    <a:latin typeface="Century Schoolbook" panose="02040604050505020304" pitchFamily="18" charset="0"/>
+                  </a:rPr>
+                  <a:t> </a:t>
+                </a:r>
+                <a:r>
+                  <a:rPr lang="en-US" sz="3000" dirty="0">
+                    <a:latin typeface="Century Schoolbook" panose="02040604050505020304" pitchFamily="18" charset="0"/>
+                  </a:rPr>
+                  <a:t>= </a:t>
+                </a:r>
+                <a:r>
+                  <a:rPr lang="en-US" sz="3000" dirty="0">
+                    <a:solidFill>
+                      <a:schemeClr val="accent2"/>
+                    </a:solidFill>
+                    <a:latin typeface="Century Schoolbook" panose="02040604050505020304" pitchFamily="18" charset="0"/>
+                  </a:rPr>
+                  <a:t>0.77</a:t>
+                </a:r>
+                <a:r>
+                  <a:rPr lang="en-US" sz="3000" dirty="0">
+                    <a:latin typeface="Century Schoolbook" panose="02040604050505020304" pitchFamily="18" charset="0"/>
+                  </a:rPr>
+                  <a:t>, CI</a:t>
+                </a:r>
+                <a:r>
+                  <a:rPr lang="en-US" sz="3000" baseline="-25000" dirty="0">
+                    <a:latin typeface="Century Schoolbook" panose="02040604050505020304" pitchFamily="18" charset="0"/>
+                  </a:rPr>
+                  <a:t>95%</a:t>
+                </a:r>
+                <a:r>
+                  <a:rPr lang="en-US" sz="3000" dirty="0">
+                    <a:latin typeface="Century Schoolbook" panose="02040604050505020304" pitchFamily="18" charset="0"/>
+                  </a:rPr>
+                  <a:t>[</a:t>
+                </a:r>
+                <a:r>
+                  <a:rPr lang="en-US" sz="3000" dirty="0">
+                    <a:solidFill>
+                      <a:schemeClr val="accent2"/>
+                    </a:solidFill>
+                    <a:latin typeface="Century Schoolbook" panose="02040604050505020304" pitchFamily="18" charset="0"/>
+                  </a:rPr>
+                  <a:t>0.47</a:t>
+                </a:r>
+                <a:r>
+                  <a:rPr lang="en-US" sz="3000" dirty="0">
+                    <a:latin typeface="Century Schoolbook" panose="02040604050505020304" pitchFamily="18" charset="0"/>
+                  </a:rPr>
+                  <a:t>, </a:t>
+                </a:r>
+                <a:r>
+                  <a:rPr lang="en-US" sz="3000" dirty="0">
+                    <a:solidFill>
+                      <a:schemeClr val="accent2"/>
+                    </a:solidFill>
+                    <a:latin typeface="Century Schoolbook" panose="02040604050505020304" pitchFamily="18" charset="0"/>
+                  </a:rPr>
+                  <a:t>0.90</a:t>
+                </a:r>
+                <a:r>
+                  <a:rPr lang="en-US" sz="3000" dirty="0">
+                    <a:latin typeface="Century Schoolbook" panose="02040604050505020304" pitchFamily="18" charset="0"/>
+                  </a:rPr>
+                  <a:t>], </a:t>
+                </a:r>
+                <a:r>
+                  <a:rPr lang="en-US" sz="3000" i="1" dirty="0">
+                    <a:latin typeface="Century Schoolbook" panose="02040604050505020304" pitchFamily="18" charset="0"/>
+                  </a:rPr>
+                  <a:t>n</a:t>
+                </a:r>
+                <a:r>
+                  <a:rPr lang="en-US" sz="3000" i="1" baseline="-25000" dirty="0">
+                    <a:latin typeface="Century Schoolbook" panose="02040604050505020304" pitchFamily="18" charset="0"/>
+                  </a:rPr>
+                  <a:t>obs</a:t>
+                </a:r>
+                <a:r>
+                  <a:rPr lang="en-US" sz="3000" dirty="0">
+                    <a:latin typeface="Century Schoolbook" panose="02040604050505020304" pitchFamily="18" charset="0"/>
+                  </a:rPr>
+                  <a:t> = </a:t>
+                </a:r>
+                <a:r>
+                  <a:rPr lang="en-US" sz="3000" dirty="0">
+                    <a:solidFill>
+                      <a:schemeClr val="accent1"/>
+                    </a:solidFill>
+                    <a:latin typeface="Century Schoolbook" panose="02040604050505020304" pitchFamily="18" charset="0"/>
+                  </a:rPr>
+                  <a:t>32</a:t>
+                </a:r>
+                <a:endParaRPr lang="en-US" sz="3000" baseline="-25000" dirty="0">
+                  <a:solidFill>
+                    <a:schemeClr val="accent1"/>
+                  </a:solidFill>
+                  <a:latin typeface="Century Schoolbook" panose="02040604050505020304" pitchFamily="18" charset="0"/>
+                </a:endParaRPr>
+              </a:p>
+            </p:txBody>
+          </p:sp>
+        </mc:Choice>
+        <mc:Fallback>
+          <p:sp>
+            <p:nvSpPr>
+              <p:cNvPr id="2" name="Title 1">
+                <a:extLst>
+                  <a:ext uri="{FF2B5EF4-FFF2-40B4-BE49-F238E27FC236}">
+                    <a16:creationId xmlns:a16="http://schemas.microsoft.com/office/drawing/2014/main" id="{1B4BA7EE-DD15-4992-A395-A55EAF628C95}"/>
+                  </a:ext>
+                </a:extLst>
+              </p:cNvPr>
+              <p:cNvSpPr>
+                <a:spLocks noGrp="1" noRot="1" noChangeAspect="1" noMove="1" noResize="1" noEditPoints="1" noAdjustHandles="1" noChangeArrowheads="1" noChangeShapeType="1" noTextEdit="1"/>
+              </p:cNvSpPr>
+              <p:nvPr>
+                <p:ph type="ctrTitle"/>
+              </p:nvPr>
+            </p:nvSpPr>
+            <p:spPr>
+              <a:xfrm>
+                <a:off x="189285" y="2303093"/>
+                <a:ext cx="11806772" cy="2387600"/>
+              </a:xfrm>
+              <a:blipFill>
+                <a:blip r:embed="rId2"/>
+                <a:stretch>
+                  <a:fillRect/>
+                </a:stretch>
+              </a:blipFill>
+            </p:spPr>
+            <p:txBody>
+              <a:bodyPr/>
+              <a:lstStyle/>
+              <a:p>
+                <a:r>
+                  <a:rPr lang="de-DE">
+                    <a:noFill/>
+                  </a:rPr>
+                  <a:t> </a:t>
+                </a:r>
+              </a:p>
+            </p:txBody>
+          </p:sp>
+        </mc:Fallback>
+      </mc:AlternateContent>
       <p:cxnSp>
         <p:nvCxnSpPr>
           <p:cNvPr id="8" name="Straight Arrow Connector 7">
@@ -3540,7 +3628,7 @@
         </p:nvCxnSpPr>
         <p:spPr>
           <a:xfrm flipV="1">
-            <a:off x="1653832" y="2487759"/>
+            <a:off x="1792101" y="2441592"/>
             <a:ext cx="0" cy="713743"/>
           </a:xfrm>
           <a:prstGeom prst="straightConnector1">
@@ -3582,7 +3670,7 @@
         </p:nvSpPr>
         <p:spPr>
           <a:xfrm>
-            <a:off x="1001249" y="2118427"/>
+            <a:off x="1139518" y="2072260"/>
             <a:ext cx="1305165" cy="369332"/>
           </a:xfrm>
           <a:prstGeom prst="rect">
@@ -3624,7 +3712,7 @@
         </p:nvCxnSpPr>
         <p:spPr>
           <a:xfrm flipH="1" flipV="1">
-            <a:off x="3105705" y="2487759"/>
+            <a:off x="3160007" y="2441592"/>
             <a:ext cx="1" cy="713743"/>
           </a:xfrm>
           <a:prstGeom prst="straightConnector1">
@@ -3666,7 +3754,7 @@
         </p:nvSpPr>
         <p:spPr>
           <a:xfrm>
-            <a:off x="2521258" y="2118427"/>
+            <a:off x="2575560" y="2072260"/>
             <a:ext cx="1043876" cy="369332"/>
           </a:xfrm>
           <a:prstGeom prst="rect">
@@ -3708,7 +3796,7 @@
         </p:nvCxnSpPr>
         <p:spPr>
           <a:xfrm flipH="1" flipV="1">
-            <a:off x="4646328" y="2487759"/>
+            <a:off x="4797994" y="2441592"/>
             <a:ext cx="1" cy="713743"/>
           </a:xfrm>
           <a:prstGeom prst="straightConnector1">
@@ -3750,7 +3838,7 @@
         </p:nvSpPr>
         <p:spPr>
           <a:xfrm>
-            <a:off x="4061881" y="2118427"/>
+            <a:off x="4213547" y="2072260"/>
             <a:ext cx="1439818" cy="369332"/>
           </a:xfrm>
           <a:prstGeom prst="rect">
@@ -3792,7 +3880,7 @@
         </p:nvCxnSpPr>
         <p:spPr>
           <a:xfrm flipV="1">
-            <a:off x="6582893" y="2441594"/>
+            <a:off x="6818484" y="2487761"/>
             <a:ext cx="459428" cy="721509"/>
           </a:xfrm>
           <a:prstGeom prst="straightConnector1">
@@ -3834,7 +3922,7 @@
         </p:nvSpPr>
         <p:spPr>
           <a:xfrm>
-            <a:off x="6435251" y="1795261"/>
+            <a:off x="6670842" y="1841428"/>
             <a:ext cx="2316660" cy="646331"/>
           </a:xfrm>
           <a:prstGeom prst="rect">
@@ -3890,7 +3978,7 @@
         </p:nvCxnSpPr>
         <p:spPr>
           <a:xfrm flipH="1" flipV="1">
-            <a:off x="7593581" y="2441592"/>
+            <a:off x="7829172" y="2487759"/>
             <a:ext cx="525679" cy="721511"/>
           </a:xfrm>
           <a:prstGeom prst="straightConnector1">
@@ -3934,7 +4022,7 @@
         </p:nvCxnSpPr>
         <p:spPr>
           <a:xfrm flipH="1" flipV="1">
-            <a:off x="8358311" y="2441593"/>
+            <a:off x="8593902" y="2487760"/>
             <a:ext cx="944860" cy="721510"/>
           </a:xfrm>
           <a:prstGeom prst="straightConnector1">
@@ -3978,7 +4066,7 @@
         </p:nvCxnSpPr>
         <p:spPr>
           <a:xfrm flipH="1" flipV="1">
-            <a:off x="10902770" y="2441592"/>
+            <a:off x="11024457" y="2465906"/>
             <a:ext cx="1" cy="713743"/>
           </a:xfrm>
           <a:prstGeom prst="straightConnector1">
@@ -4020,7 +4108,7 @@
         </p:nvSpPr>
         <p:spPr>
           <a:xfrm>
-            <a:off x="10118185" y="1770947"/>
+            <a:off x="10239872" y="1795261"/>
             <a:ext cx="1531188" cy="646331"/>
           </a:xfrm>
           <a:prstGeom prst="rect">
@@ -4055,6 +4143,92 @@
                 <a:latin typeface="Century Schoolbook" panose="02040604050505020304" pitchFamily="18" charset="0"/>
               </a:rPr>
               <a:t>observations</a:t>
+            </a:r>
+          </a:p>
+        </p:txBody>
+      </p:sp>
+      <p:cxnSp>
+        <p:nvCxnSpPr>
+          <p:cNvPr id="16" name="Straight Arrow Connector 15">
+            <a:extLst>
+              <a:ext uri="{FF2B5EF4-FFF2-40B4-BE49-F238E27FC236}">
+                <a16:creationId xmlns:a16="http://schemas.microsoft.com/office/drawing/2014/main" id="{CB54DEAC-DA16-ED40-8E04-8B56F3306B46}"/>
+              </a:ext>
+            </a:extLst>
+          </p:cNvPr>
+          <p:cNvCxnSpPr>
+            <a:cxnSpLocks/>
+          </p:cNvCxnSpPr>
+          <p:nvPr/>
+        </p:nvCxnSpPr>
+        <p:spPr>
+          <a:xfrm flipV="1">
+            <a:off x="692268" y="2445415"/>
+            <a:ext cx="0" cy="713743"/>
+          </a:xfrm>
+          <a:prstGeom prst="straightConnector1">
+            <a:avLst/>
+          </a:prstGeom>
+          <a:ln>
+            <a:solidFill>
+              <a:schemeClr val="tx1"/>
+            </a:solidFill>
+            <a:tailEnd type="triangle"/>
+          </a:ln>
+        </p:spPr>
+        <p:style>
+          <a:lnRef idx="1">
+            <a:schemeClr val="accent1"/>
+          </a:lnRef>
+          <a:fillRef idx="0">
+            <a:schemeClr val="accent1"/>
+          </a:fillRef>
+          <a:effectRef idx="0">
+            <a:schemeClr val="accent1"/>
+          </a:effectRef>
+          <a:fontRef idx="minor">
+            <a:schemeClr val="tx1"/>
+          </a:fontRef>
+        </p:style>
+      </p:cxnSp>
+      <p:sp>
+        <p:nvSpPr>
+          <p:cNvPr id="17" name="TextBox 16">
+            <a:extLst>
+              <a:ext uri="{FF2B5EF4-FFF2-40B4-BE49-F238E27FC236}">
+                <a16:creationId xmlns:a16="http://schemas.microsoft.com/office/drawing/2014/main" id="{FF5C9C89-C356-2847-A865-7D05747B6C3E}"/>
+              </a:ext>
+            </a:extLst>
+          </p:cNvPr>
+          <p:cNvSpPr txBox="1"/>
+          <p:nvPr/>
+        </p:nvSpPr>
+        <p:spPr>
+          <a:xfrm>
+            <a:off x="445052" y="2096574"/>
+            <a:ext cx="587020" cy="369332"/>
+          </a:xfrm>
+          <a:prstGeom prst="rect">
+            <a:avLst/>
+          </a:prstGeom>
+          <a:noFill/>
+        </p:spPr>
+        <p:txBody>
+          <a:bodyPr wrap="none" rtlCol="0">
+            <a:spAutoFit/>
+          </a:bodyPr>
+          <a:lstStyle/>
+          <a:p>
+            <a:r>
+              <a:rPr lang="en-US" dirty="0">
+                <a:solidFill>
+                  <a:schemeClr val="accent4">
+                    <a:lumMod val="75000"/>
+                  </a:schemeClr>
+                </a:solidFill>
+                <a:latin typeface="Century Schoolbook" panose="02040604050505020304" pitchFamily="18" charset="0"/>
+              </a:rPr>
+              <a:t>test</a:t>
             </a:r>
           </a:p>
         </p:txBody>
